--- a/190429_buck_cutoff.pptx
+++ b/190429_buck_cutoff.pptx
@@ -10,8 +10,7 @@
     <p:sldId id="258" r:id="rId4"/>
     <p:sldId id="259" r:id="rId5"/>
     <p:sldId id="260" r:id="rId6"/>
-    <p:sldId id="261" r:id="rId7"/>
-    <p:sldId id="262" r:id="rId8"/>
+    <p:sldId id="262" r:id="rId7"/>
   </p:sldIdLst>
   <p:sldSz cx="9144000" cy="6858000" type="screen4x3"/>
   <p:notesSz cx="6858000" cy="9144000"/>
@@ -3532,114 +3531,21 @@
             <p:ph type="title"/>
           </p:nvPr>
         </p:nvSpPr>
-        <p:spPr/>
-        <p:txBody>
-          <a:bodyPr/>
-          <a:lstStyle/>
-          <a:p>
-            <a:endParaRPr lang="en-GB"/>
-          </a:p>
-        </p:txBody>
-      </p:sp>
-      <p:sp>
-        <p:nvSpPr>
-          <p:cNvPr id="3" name="Content Placeholder 2"/>
-          <p:cNvSpPr>
-            <a:spLocks noGrp="1"/>
-          </p:cNvSpPr>
-          <p:nvPr>
-            <p:ph idx="1"/>
-          </p:nvPr>
-        </p:nvSpPr>
-        <p:spPr/>
-        <p:txBody>
-          <a:bodyPr/>
-          <a:lstStyle/>
-          <a:p>
-            <a:r>
-              <a:rPr lang="en-GB" dirty="0" err="1" smtClean="0"/>
-              <a:t>Cutoffs</a:t>
-            </a:r>
+        <p:spPr>
+          <a:xfrm>
+            <a:off x="4932040" y="274638"/>
+            <a:ext cx="3754760" cy="1143000"/>
+          </a:xfrm>
+        </p:spPr>
+        <p:txBody>
+          <a:bodyPr/>
+          <a:lstStyle/>
+          <a:p>
             <a:r>
               <a:rPr lang="en-GB" dirty="0" smtClean="0"/>
-              <a:t> make little difference</a:t>
-            </a:r>
-          </a:p>
-          <a:p>
-            <a:r>
-              <a:rPr lang="en-GB" dirty="0" smtClean="0"/>
-              <a:t>My choices influenced by literature</a:t>
-            </a:r>
-          </a:p>
-          <a:p>
-            <a:r>
-              <a:rPr lang="en-GB" dirty="0" smtClean="0"/>
-              <a:t>Kept small to minimise computation cost</a:t>
-            </a:r>
-          </a:p>
-          <a:p>
-            <a:r>
-              <a:rPr lang="en-GB" dirty="0" smtClean="0"/>
-              <a:t>Variations on </a:t>
-            </a:r>
-            <a:r>
-              <a:rPr lang="en-GB" dirty="0" err="1" smtClean="0"/>
-              <a:t>picometer</a:t>
-            </a:r>
-            <a:r>
-              <a:rPr lang="en-GB" dirty="0" smtClean="0"/>
-              <a:t> scale</a:t>
+              <a:t>136 GPa</a:t>
             </a:r>
             <a:endParaRPr lang="en-GB" dirty="0"/>
-          </a:p>
-        </p:txBody>
-      </p:sp>
-    </p:spTree>
-    <p:extLst>
-      <p:ext uri="{BB962C8B-B14F-4D97-AF65-F5344CB8AC3E}">
-        <p14:creationId xmlns:p14="http://schemas.microsoft.com/office/powerpoint/2010/main" val="810432142"/>
-      </p:ext>
-    </p:extLst>
-  </p:cSld>
-  <p:clrMapOvr>
-    <a:masterClrMapping/>
-  </p:clrMapOvr>
-</p:sld>
-</file>
-
-<file path=ppt/slides/slide7.xml><?xml version="1.0" encoding="utf-8"?>
-<p:sld xmlns:a="http://schemas.openxmlformats.org/drawingml/2006/main" xmlns:r="http://schemas.openxmlformats.org/officeDocument/2006/relationships" xmlns:p="http://schemas.openxmlformats.org/presentationml/2006/main">
-  <p:cSld>
-    <p:spTree>
-      <p:nvGrpSpPr>
-        <p:cNvPr id="1" name=""/>
-        <p:cNvGrpSpPr/>
-        <p:nvPr/>
-      </p:nvGrpSpPr>
-      <p:grpSpPr>
-        <a:xfrm>
-          <a:off x="0" y="0"/>
-          <a:ext cx="0" cy="0"/>
-          <a:chOff x="0" y="0"/>
-          <a:chExt cx="0" cy="0"/>
-        </a:xfrm>
-      </p:grpSpPr>
-      <p:sp>
-        <p:nvSpPr>
-          <p:cNvPr id="2" name="Title 1"/>
-          <p:cNvSpPr>
-            <a:spLocks noGrp="1"/>
-          </p:cNvSpPr>
-          <p:nvPr>
-            <p:ph type="title"/>
-          </p:nvPr>
-        </p:nvSpPr>
-        <p:spPr/>
-        <p:txBody>
-          <a:bodyPr/>
-          <a:lstStyle/>
-          <a:p>
-            <a:endParaRPr lang="en-GB"/>
           </a:p>
         </p:txBody>
       </p:sp>
